--- a/Experiments/MicroBit/04-Poloha/Prezentace/41-akcelerometr.pptx
+++ b/Experiments/MicroBit/04-Poloha/Prezentace/41-akcelerometr.pptx
@@ -109,6 +109,11 @@
       </a:defRPr>
     </a:lvl9pPr>
   </p:defaultTextStyle>
+  <p:extLst>
+    <p:ext uri="{EFAFB233-063F-42B5-8137-9DF3F51BA10A}">
+      <p15:sldGuideLst xmlns:p15="http://schemas.microsoft.com/office/powerpoint/2012/main"/>
+    </p:ext>
+  </p:extLst>
 </p:presentation>
 </file>
 
@@ -4019,6 +4024,16 @@
               </a:lnSpc>
             </a:pPr>
             <a:r>
+              <a:rPr lang="cs-CZ" sz="4400" spc="-1">
+                <a:solidFill>
+                  <a:srgbClr val="FFFFFF"/>
+                </a:solidFill>
+                <a:latin typeface="Ubuntu"/>
+                <a:ea typeface="DejaVu Sans"/>
+              </a:rPr>
+              <a:t>4</a:t>
+            </a:r>
+            <a:r>
               <a:rPr lang="cs-CZ" sz="4400" b="0" strike="noStrike" spc="-1">
                 <a:solidFill>
                   <a:srgbClr val="FFFFFF"/>
@@ -4026,9 +4041,9 @@
                 <a:latin typeface="Ubuntu"/>
                 <a:ea typeface="DejaVu Sans"/>
               </a:rPr>
-              <a:t>3-1 Zvuk</a:t>
-            </a:r>
-            <a:endParaRPr lang="cs-CZ" sz="4400" b="0" strike="noStrike" spc="-1">
+              <a:t>-1 Akcelerometr</a:t>
+            </a:r>
+            <a:endParaRPr lang="cs-CZ" sz="4400" b="0" strike="noStrike" spc="-1" dirty="0">
               <a:latin typeface="Arial"/>
             </a:endParaRPr>
           </a:p>
@@ -4309,7 +4324,7 @@
           <a:graphicData uri="http://schemas.openxmlformats.org/presentationml/2006/ole">
             <mc:AlternateContent xmlns:mc="http://schemas.openxmlformats.org/markup-compatibility/2006">
               <mc:Choice xmlns:v="urn:schemas-microsoft-com:vml" Requires="v">
-                <p:oleObj spid="_x0000_s1028" name="Dokument" r:id="rId3" imgW="6121400" imgH="2819400" progId="Word.Document.12">
+                <p:oleObj spid="_x0000_s1029" name="Dokument" r:id="rId3" imgW="6121400" imgH="2819400" progId="Word.Document.12">
                   <p:embed/>
                 </p:oleObj>
               </mc:Choice>
